--- a/Tableau JSAPI - 04 Tips and Tricks.pptx
+++ b/Tableau JSAPI - 04 Tips and Tricks.pptx
@@ -138,7 +138,7 @@
       </p14:sectionLst>
     </p:ext>
     <p:ext uri="{EFAFB233-063F-42B5-8137-9DF3F51BA10A}">
-      <p15:sldGuideLst xmlns:p15="http://schemas.microsoft.com/office/powerpoint/2012/main">
+      <p15:sldGuideLst xmlns="" xmlns:p15="http://schemas.microsoft.com/office/powerpoint/2012/main">
         <p15:guide id="1" orient="horz" pos="2160">
           <p15:clr>
             <a:srgbClr val="A4A3A4"/>
@@ -237,7 +237,7 @@
           <a:p>
             <a:fld id="{F06599F2-9818-4545-AFCB-68953993543F}" type="datetimeFigureOut">
               <a:rPr lang="en-US" smtClean="0"/>
-              <a:t>1/26/16</a:t>
+              <a:t>1/28/16</a:t>
             </a:fld>
             <a:endParaRPr lang="en-US"/>
           </a:p>
@@ -801,7 +801,7 @@
   <p:timing>
     <p:tnLst>
       <p:par>
-        <p:cTn id="1" dur="indefinite" restart="never" nodeType="tmRoot"/>
+        <p:cTn xmlns:p14="http://schemas.microsoft.com/office/powerpoint/2010/main" id="1" dur="indefinite" restart="never" nodeType="tmRoot"/>
       </p:par>
     </p:tnLst>
   </p:timing>
@@ -868,7 +868,7 @@
   <p:timing>
     <p:tnLst>
       <p:par>
-        <p:cTn id="1" dur="indefinite" restart="never" nodeType="tmRoot"/>
+        <p:cTn xmlns:p14="http://schemas.microsoft.com/office/powerpoint/2010/main" id="1" dur="indefinite" restart="never" nodeType="tmRoot"/>
       </p:par>
     </p:tnLst>
   </p:timing>
@@ -1009,7 +1009,7 @@
   <p:timing>
     <p:tnLst>
       <p:par>
-        <p:cTn id="1" dur="indefinite" restart="never" nodeType="tmRoot"/>
+        <p:cTn xmlns:p14="http://schemas.microsoft.com/office/powerpoint/2010/main" id="1" dur="indefinite" restart="never" nodeType="tmRoot"/>
       </p:par>
     </p:tnLst>
   </p:timing>
@@ -1203,7 +1203,7 @@
   <p:timing>
     <p:tnLst>
       <p:par>
-        <p:cTn id="1" dur="indefinite" restart="never" nodeType="tmRoot"/>
+        <p:cTn xmlns:p14="http://schemas.microsoft.com/office/powerpoint/2010/main" id="1" dur="indefinite" restart="never" nodeType="tmRoot"/>
       </p:par>
     </p:tnLst>
   </p:timing>
@@ -1320,7 +1320,7 @@
   <p:timing>
     <p:tnLst>
       <p:par>
-        <p:cTn id="1" dur="indefinite" restart="never" nodeType="tmRoot"/>
+        <p:cTn xmlns:p14="http://schemas.microsoft.com/office/powerpoint/2010/main" id="1" dur="indefinite" restart="never" nodeType="tmRoot"/>
       </p:par>
     </p:tnLst>
   </p:timing>
@@ -1691,7 +1691,7 @@
   <p:timing>
     <p:tnLst>
       <p:par>
-        <p:cTn id="1" dur="indefinite" restart="never" nodeType="tmRoot"/>
+        <p:cTn xmlns:p14="http://schemas.microsoft.com/office/powerpoint/2010/main" id="1" dur="indefinite" restart="never" nodeType="tmRoot"/>
       </p:par>
     </p:tnLst>
   </p:timing>
@@ -1851,7 +1851,7 @@
   <p:timing>
     <p:tnLst>
       <p:par>
-        <p:cTn id="1" dur="indefinite" restart="never" nodeType="tmRoot"/>
+        <p:cTn xmlns:p14="http://schemas.microsoft.com/office/powerpoint/2010/main" id="1" dur="indefinite" restart="never" nodeType="tmRoot"/>
       </p:par>
     </p:tnLst>
   </p:timing>
@@ -2011,7 +2011,7 @@
   <p:timing>
     <p:tnLst>
       <p:par>
-        <p:cTn id="1" dur="indefinite" restart="never" nodeType="tmRoot"/>
+        <p:cTn xmlns:p14="http://schemas.microsoft.com/office/powerpoint/2010/main" id="1" dur="indefinite" restart="never" nodeType="tmRoot"/>
       </p:par>
     </p:tnLst>
   </p:timing>
@@ -2171,7 +2171,7 @@
   <p:timing>
     <p:tnLst>
       <p:par>
-        <p:cTn id="1" dur="indefinite" restart="never" nodeType="tmRoot"/>
+        <p:cTn xmlns:p14="http://schemas.microsoft.com/office/powerpoint/2010/main" id="1" dur="indefinite" restart="never" nodeType="tmRoot"/>
       </p:par>
     </p:tnLst>
   </p:timing>
@@ -2261,7 +2261,7 @@
   <p:timing>
     <p:tnLst>
       <p:par>
-        <p:cTn id="1" dur="indefinite" restart="never" nodeType="tmRoot"/>
+        <p:cTn xmlns:p14="http://schemas.microsoft.com/office/powerpoint/2010/main" id="1" dur="indefinite" restart="never" nodeType="tmRoot"/>
       </p:par>
     </p:tnLst>
   </p:timing>
@@ -2460,7 +2460,7 @@
   <p:timing>
     <p:tnLst>
       <p:par>
-        <p:cTn id="1" dur="indefinite" restart="never" nodeType="tmRoot"/>
+        <p:cTn xmlns:p14="http://schemas.microsoft.com/office/powerpoint/2010/main" id="1" dur="indefinite" restart="never" nodeType="tmRoot"/>
       </p:par>
     </p:tnLst>
   </p:timing>
@@ -2711,7 +2711,7 @@
   <p:timing>
     <p:tnLst>
       <p:par>
-        <p:cTn id="1" dur="indefinite" restart="never" nodeType="tmRoot"/>
+        <p:cTn xmlns:p14="http://schemas.microsoft.com/office/powerpoint/2010/main" id="1" dur="indefinite" restart="never" nodeType="tmRoot"/>
       </p:par>
     </p:tnLst>
   </p:timing>
@@ -2840,7 +2840,7 @@
   <p:timing>
     <p:tnLst>
       <p:par>
-        <p:cTn id="1" dur="indefinite" restart="never" nodeType="tmRoot"/>
+        <p:cTn xmlns:p14="http://schemas.microsoft.com/office/powerpoint/2010/main" id="1" dur="indefinite" restart="never" nodeType="tmRoot"/>
       </p:par>
     </p:tnLst>
   </p:timing>
@@ -2987,7 +2987,7 @@
   <p:timing>
     <p:tnLst>
       <p:par>
-        <p:cTn id="1" dur="indefinite" restart="never" nodeType="tmRoot"/>
+        <p:cTn xmlns:p14="http://schemas.microsoft.com/office/powerpoint/2010/main" id="1" dur="indefinite" restart="never" nodeType="tmRoot"/>
       </p:par>
     </p:tnLst>
   </p:timing>
@@ -3283,11 +3283,7 @@
           <a:p>
             <a:r>
               <a:rPr lang="en-US" dirty="0" smtClean="0"/>
-              <a:t>JavaScript </a:t>
-            </a:r>
-            <a:r>
-              <a:rPr lang="en-US" dirty="0" smtClean="0"/>
-              <a:t>API:  Tips and Tricks</a:t>
+              <a:t>JavaScript API:  Tips and Tricks</a:t>
             </a:r>
             <a:endParaRPr lang="en-US" dirty="0"/>
           </a:p>
@@ -3335,7 +3331,7 @@
   <p:timing>
     <p:tnLst>
       <p:par>
-        <p:cTn id="1" dur="indefinite" restart="never" nodeType="tmRoot"/>
+        <p:cTn xmlns:p14="http://schemas.microsoft.com/office/powerpoint/2010/main" id="1" dur="indefinite" restart="never" nodeType="tmRoot"/>
       </p:par>
     </p:tnLst>
   </p:timing>
@@ -3581,7 +3577,7 @@
   <p:timing>
     <p:tnLst>
       <p:par>
-        <p:cTn id="1" dur="indefinite" restart="never" nodeType="tmRoot">
+        <p:cTn xmlns:p14="http://schemas.microsoft.com/office/powerpoint/2010/main" id="1" dur="indefinite" restart="never" nodeType="tmRoot">
           <p:childTnLst>
             <p:seq concurrent="1" nextAc="seek">
               <p:cTn id="2" dur="indefinite" nodeType="mainSeq">
@@ -4171,7 +4167,7 @@
   <p:timing>
     <p:tnLst>
       <p:par>
-        <p:cTn id="1" dur="indefinite" restart="never" nodeType="tmRoot"/>
+        <p:cTn xmlns:p14="http://schemas.microsoft.com/office/powerpoint/2010/main" id="1" dur="indefinite" restart="never" nodeType="tmRoot"/>
       </p:par>
     </p:tnLst>
   </p:timing>
@@ -4854,7 +4850,7 @@
   <p:timing>
     <p:tnLst>
       <p:par>
-        <p:cTn id="1" dur="indefinite" restart="never" nodeType="tmRoot">
+        <p:cTn xmlns:p14="http://schemas.microsoft.com/office/powerpoint/2010/main" id="1" dur="indefinite" restart="never" nodeType="tmRoot">
           <p:childTnLst>
             <p:seq concurrent="1" nextAc="seek">
               <p:cTn id="2" dur="indefinite" nodeType="mainSeq">
@@ -5195,7 +5191,7 @@
                 <a:ea typeface="Gill Sans MT" charset="0"/>
                 <a:cs typeface="Gill Sans MT" charset="0"/>
               </a:rPr>
-              <a:t>TODO #1</a:t>
+              <a:t>Understand common ‘gotchas’ with the JSAPI</a:t>
             </a:r>
             <a:endParaRPr lang="en-US" sz="3200" dirty="0">
               <a:latin typeface="Gill Sans MT" charset="0"/>
@@ -5210,13 +5206,8 @@
                 <a:ea typeface="Gill Sans MT" charset="0"/>
                 <a:cs typeface="Gill Sans MT" charset="0"/>
               </a:rPr>
-              <a:t>TODO #2</a:t>
-            </a:r>
-            <a:endParaRPr lang="en-US" sz="3200" dirty="0" smtClean="0">
-              <a:latin typeface="Gill Sans MT" charset="0"/>
-              <a:ea typeface="Gill Sans MT" charset="0"/>
-              <a:cs typeface="Gill Sans MT" charset="0"/>
-            </a:endParaRPr>
+              <a:t>Know how to use asynchronous functions in the JSAPI</a:t>
+            </a:r>
           </a:p>
           <a:p>
             <a:r>
@@ -5225,22 +5216,7 @@
                 <a:ea typeface="Gill Sans MT" charset="0"/>
                 <a:cs typeface="Gill Sans MT" charset="0"/>
               </a:rPr>
-              <a:t>TODO #3</a:t>
-            </a:r>
-            <a:endParaRPr lang="en-US" sz="3200" dirty="0" smtClean="0">
-              <a:latin typeface="Gill Sans MT" charset="0"/>
-              <a:ea typeface="Gill Sans MT" charset="0"/>
-              <a:cs typeface="Gill Sans MT" charset="0"/>
-            </a:endParaRPr>
-          </a:p>
-          <a:p>
-            <a:r>
-              <a:rPr lang="en-US" sz="3200" dirty="0" smtClean="0">
-                <a:latin typeface="Gill Sans MT" charset="0"/>
-                <a:ea typeface="Gill Sans MT" charset="0"/>
-                <a:cs typeface="Gill Sans MT" charset="0"/>
-              </a:rPr>
-              <a:t>TODO #4</a:t>
+              <a:t>Know how to create event listeners with the JSAPI</a:t>
             </a:r>
             <a:endParaRPr lang="en-US" sz="3200" dirty="0">
               <a:latin typeface="Gill Sans MT" charset="0"/>
@@ -5286,7 +5262,7 @@
   <p:timing>
     <p:tnLst>
       <p:par>
-        <p:cTn id="1" dur="indefinite" restart="never" nodeType="tmRoot">
+        <p:cTn xmlns:p14="http://schemas.microsoft.com/office/powerpoint/2010/main" id="1" dur="indefinite" restart="never" nodeType="tmRoot">
           <p:childTnLst>
             <p:seq concurrent="1" nextAc="seek">
               <p:cTn id="2" dur="indefinite" nodeType="mainSeq">
@@ -5485,76 +5461,15 @@
                                   </p:childTnLst>
                                 </p:cTn>
                               </p:par>
-                            </p:childTnLst>
-                          </p:cTn>
-                        </p:par>
-                      </p:childTnLst>
-                    </p:cTn>
-                  </p:par>
-                  <p:par>
-                    <p:cTn id="19" fill="hold">
-                      <p:stCondLst>
-                        <p:cond delay="indefinite"/>
-                      </p:stCondLst>
-                      <p:childTnLst>
-                        <p:par>
-                          <p:cTn id="20" fill="hold">
-                            <p:stCondLst>
-                              <p:cond delay="0"/>
-                            </p:stCondLst>
-                            <p:childTnLst>
                               <p:par>
-                                <p:cTn id="21" presetID="10" presetClass="entr" presetSubtype="0" fill="hold" nodeType="clickEffect">
-                                  <p:stCondLst>
-                                    <p:cond delay="0"/>
-                                  </p:stCondLst>
-                                  <p:childTnLst>
-                                    <p:set>
-                                      <p:cBhvr>
-                                        <p:cTn id="22" dur="1" fill="hold">
-                                          <p:stCondLst>
-                                            <p:cond delay="0"/>
-                                          </p:stCondLst>
-                                        </p:cTn>
-                                        <p:tgtEl>
-                                          <p:spTgt spid="3">
-                                            <p:txEl>
-                                              <p:pRg st="3" end="3"/>
-                                            </p:txEl>
-                                          </p:spTgt>
-                                        </p:tgtEl>
-                                        <p:attrNameLst>
-                                          <p:attrName>style.visibility</p:attrName>
-                                        </p:attrNameLst>
-                                      </p:cBhvr>
-                                      <p:to>
-                                        <p:strVal val="visible"/>
-                                      </p:to>
-                                    </p:set>
-                                    <p:animEffect transition="in" filter="fade">
-                                      <p:cBhvr>
-                                        <p:cTn id="23" dur="500"/>
-                                        <p:tgtEl>
-                                          <p:spTgt spid="3">
-                                            <p:txEl>
-                                              <p:pRg st="3" end="3"/>
-                                            </p:txEl>
-                                          </p:spTgt>
-                                        </p:tgtEl>
-                                      </p:cBhvr>
-                                    </p:animEffect>
-                                  </p:childTnLst>
-                                </p:cTn>
-                              </p:par>
-                              <p:par>
-                                <p:cTn id="24" presetID="9" presetClass="emph" presetSubtype="0" nodeType="withEffect">
+                                <p:cTn id="19" presetID="9" presetClass="emph" presetSubtype="0" nodeType="withEffect">
                                   <p:stCondLst>
                                     <p:cond delay="0"/>
                                   </p:stCondLst>
                                   <p:childTnLst>
                                     <p:set>
                                       <p:cBhvr rctx="PPT">
-                                        <p:cTn id="25" dur="indefinite"/>
+                                        <p:cTn id="20" dur="indefinite"/>
                                         <p:tgtEl>
                                           <p:spTgt spid="3">
                                             <p:txEl>
@@ -5572,7 +5487,7 @@
                                     </p:set>
                                     <p:animEffect filter="image" prLst="opacity: 0.25">
                                       <p:cBhvr rctx="IE">
-                                        <p:cTn id="26" dur="indefinite"/>
+                                        <p:cTn id="21" dur="indefinite"/>
                                         <p:tgtEl>
                                           <p:spTgt spid="3">
                                             <p:txEl>
@@ -5917,7 +5832,7 @@
   <p:timing>
     <p:tnLst>
       <p:par>
-        <p:cTn id="1" dur="indefinite" restart="never" nodeType="tmRoot"/>
+        <p:cTn xmlns:p14="http://schemas.microsoft.com/office/powerpoint/2010/main" id="1" dur="indefinite" restart="never" nodeType="tmRoot"/>
       </p:par>
     </p:tnLst>
   </p:timing>
@@ -5943,22 +5858,28 @@
       </p:grpSpPr>
       <p:pic>
         <p:nvPicPr>
-          <p:cNvPr id="3" name="Picture 2"/>
+          <p:cNvPr id="2" name="Picture 1" descr="ShowSheetsAsTabs.gif"/>
           <p:cNvPicPr>
             <a:picLocks noChangeAspect="1"/>
           </p:cNvPicPr>
           <p:nvPr/>
         </p:nvPicPr>
         <p:blipFill>
-          <a:blip r:embed="rId2"/>
+          <a:blip r:embed="rId2">
+            <a:extLst>
+              <a:ext uri="{28A0092B-C50C-407E-A947-70E740481C1C}">
+                <a14:useLocalDpi xmlns:a14="http://schemas.microsoft.com/office/drawing/2010/main" val="0"/>
+              </a:ext>
+            </a:extLst>
+          </a:blip>
           <a:stretch>
             <a:fillRect/>
           </a:stretch>
         </p:blipFill>
         <p:spPr>
           <a:xfrm>
-            <a:off x="3128917" y="-1296"/>
-            <a:ext cx="5934166" cy="6859296"/>
+            <a:off x="3285882" y="103244"/>
+            <a:ext cx="5692268" cy="6576660"/>
           </a:xfrm>
           <a:prstGeom prst="rect">
             <a:avLst/>
@@ -5978,7 +5899,7 @@
   <p:timing>
     <p:tnLst>
       <p:par>
-        <p:cTn id="1" dur="indefinite" restart="never" nodeType="tmRoot"/>
+        <p:cTn xmlns:p14="http://schemas.microsoft.com/office/powerpoint/2010/main" id="1" dur="indefinite" restart="never" nodeType="tmRoot"/>
       </p:par>
     </p:tnLst>
   </p:timing>
@@ -6062,7 +5983,7 @@
   <p:timing>
     <p:tnLst>
       <p:par>
-        <p:cTn id="1" dur="indefinite" restart="never" nodeType="tmRoot"/>
+        <p:cTn xmlns:p14="http://schemas.microsoft.com/office/powerpoint/2010/main" id="1" dur="indefinite" restart="never" nodeType="tmRoot"/>
       </p:par>
     </p:tnLst>
   </p:timing>
@@ -6193,7 +6114,7 @@
           </a:prstGeom>
           <a:noFill/>
           <a:extLst>
-            <a:ext uri="{909E8E84-426E-40DD-AFC4-6F175D3DCCD1}">
+            <a:ext uri="{909E8E84-426E-40dd-AFC4-6F175D3DCCD1}">
               <a14:hiddenFill xmlns:a14="http://schemas.microsoft.com/office/drawing/2010/main">
                 <a:solidFill>
                   <a:srgbClr val="FFFFFF"/>
@@ -6216,7 +6137,7 @@
   <p:timing>
     <p:tnLst>
       <p:par>
-        <p:cTn id="1" dur="indefinite" restart="never" nodeType="tmRoot"/>
+        <p:cTn xmlns:p14="http://schemas.microsoft.com/office/powerpoint/2010/main" id="1" dur="indefinite" restart="never" nodeType="tmRoot"/>
       </p:par>
     </p:tnLst>
   </p:timing>
@@ -6349,7 +6270,7 @@
   <p:timing>
     <p:tnLst>
       <p:par>
-        <p:cTn id="1" dur="indefinite" restart="never" nodeType="tmRoot"/>
+        <p:cTn xmlns:p14="http://schemas.microsoft.com/office/powerpoint/2010/main" id="1" dur="indefinite" restart="never" nodeType="tmRoot"/>
       </p:par>
     </p:tnLst>
   </p:timing>
@@ -6494,7 +6415,7 @@
   <p:timing>
     <p:tnLst>
       <p:par>
-        <p:cTn id="1" dur="indefinite" restart="never" nodeType="tmRoot"/>
+        <p:cTn xmlns:p14="http://schemas.microsoft.com/office/powerpoint/2010/main" id="1" dur="indefinite" restart="never" nodeType="tmRoot"/>
       </p:par>
     </p:tnLst>
   </p:timing>
@@ -7055,7 +6976,7 @@
   <a:extraClrSchemeLst/>
   <a:extLst>
     <a:ext uri="{05A4C25C-085E-4340-85A3-A5531E510DB2}">
-      <thm15:themeFamily xmlns:thm15="http://schemas.microsoft.com/office/thememl/2012/main" name="Office Theme" id="{62F939B6-93AF-4DB8-9C6B-D6C7DFDC589F}" vid="{4A3C46E8-61CC-4603-A589-7422A47A8E4A}"/>
+      <thm15:themeFamily xmlns="" xmlns:thm15="http://schemas.microsoft.com/office/thememl/2012/main" name="Office Theme" id="{62F939B6-93AF-4DB8-9C6B-D6C7DFDC589F}" vid="{4A3C46E8-61CC-4603-A589-7422A47A8E4A}"/>
     </a:ext>
   </a:extLst>
 </a:theme>

--- a/Tableau JSAPI - 04 Tips and Tricks.pptx
+++ b/Tableau JSAPI - 04 Tips and Tricks.pptx
@@ -237,7 +237,7 @@
           <a:p>
             <a:fld id="{F06599F2-9818-4545-AFCB-68953993543F}" type="datetimeFigureOut">
               <a:rPr lang="en-US" smtClean="0"/>
-              <a:t>1/26/16</a:t>
+              <a:t>1/28/16</a:t>
             </a:fld>
             <a:endParaRPr lang="en-US"/>
           </a:p>
@@ -3283,11 +3283,7 @@
           <a:p>
             <a:r>
               <a:rPr lang="en-US" dirty="0" smtClean="0"/>
-              <a:t>JavaScript </a:t>
-            </a:r>
-            <a:r>
-              <a:rPr lang="en-US" dirty="0" smtClean="0"/>
-              <a:t>API:  Tips and Tricks</a:t>
+              <a:t>JavaScript API:  Tips and Tricks</a:t>
             </a:r>
             <a:endParaRPr lang="en-US" dirty="0"/>
           </a:p>
@@ -4872,131 +4868,14 @@
                             </p:stCondLst>
                             <p:childTnLst>
                               <p:par>
-                                <p:cTn id="5" presetID="1" presetClass="entr" presetSubtype="0" fill="hold" nodeType="clickEffect">
-                                  <p:stCondLst>
-                                    <p:cond delay="0"/>
-                                  </p:stCondLst>
-                                  <p:childTnLst>
-                                    <p:set>
-                                      <p:cBhvr>
-                                        <p:cTn id="6" dur="1" fill="hold">
-                                          <p:stCondLst>
-                                            <p:cond delay="0"/>
-                                          </p:stCondLst>
-                                        </p:cTn>
-                                        <p:tgtEl>
-                                          <p:spTgt spid="20"/>
-                                        </p:tgtEl>
-                                        <p:attrNameLst>
-                                          <p:attrName>style.visibility</p:attrName>
-                                        </p:attrNameLst>
-                                      </p:cBhvr>
-                                      <p:to>
-                                        <p:strVal val="visible"/>
-                                      </p:to>
-                                    </p:set>
-                                  </p:childTnLst>
-                                </p:cTn>
-                              </p:par>
-                            </p:childTnLst>
-                          </p:cTn>
-                        </p:par>
-                      </p:childTnLst>
-                    </p:cTn>
-                  </p:par>
-                  <p:par>
-                    <p:cTn id="7" fill="hold">
-                      <p:stCondLst>
-                        <p:cond delay="indefinite"/>
-                      </p:stCondLst>
-                      <p:childTnLst>
-                        <p:par>
-                          <p:cTn id="8" fill="hold">
-                            <p:stCondLst>
-                              <p:cond delay="0"/>
-                            </p:stCondLst>
-                            <p:childTnLst>
-                              <p:par>
-                                <p:cTn id="9" presetID="1" presetClass="entr" presetSubtype="0" fill="hold" nodeType="clickEffect">
-                                  <p:stCondLst>
-                                    <p:cond delay="0"/>
-                                  </p:stCondLst>
-                                  <p:childTnLst>
-                                    <p:set>
-                                      <p:cBhvr>
-                                        <p:cTn id="10" dur="1" fill="hold">
-                                          <p:stCondLst>
-                                            <p:cond delay="0"/>
-                                          </p:stCondLst>
-                                        </p:cTn>
-                                        <p:tgtEl>
-                                          <p:spTgt spid="21"/>
-                                        </p:tgtEl>
-                                        <p:attrNameLst>
-                                          <p:attrName>style.visibility</p:attrName>
-                                        </p:attrNameLst>
-                                      </p:cBhvr>
-                                      <p:to>
-                                        <p:strVal val="visible"/>
-                                      </p:to>
-                                    </p:set>
-                                  </p:childTnLst>
-                                </p:cTn>
-                              </p:par>
-                              <p:par>
-                                <p:cTn id="11" presetID="1" presetClass="entr" presetSubtype="0" fill="hold" nodeType="withEffect">
-                                  <p:stCondLst>
-                                    <p:cond delay="0"/>
-                                  </p:stCondLst>
-                                  <p:childTnLst>
-                                    <p:set>
-                                      <p:cBhvr>
-                                        <p:cTn id="12" dur="1" fill="hold">
-                                          <p:stCondLst>
-                                            <p:cond delay="0"/>
-                                          </p:stCondLst>
-                                        </p:cTn>
-                                        <p:tgtEl>
-                                          <p:spTgt spid="22"/>
-                                        </p:tgtEl>
-                                        <p:attrNameLst>
-                                          <p:attrName>style.visibility</p:attrName>
-                                        </p:attrNameLst>
-                                      </p:cBhvr>
-                                      <p:to>
-                                        <p:strVal val="visible"/>
-                                      </p:to>
-                                    </p:set>
-                                  </p:childTnLst>
-                                </p:cTn>
-                              </p:par>
-                            </p:childTnLst>
-                          </p:cTn>
-                        </p:par>
-                      </p:childTnLst>
-                    </p:cTn>
-                  </p:par>
-                  <p:par>
-                    <p:cTn id="13" fill="hold">
-                      <p:stCondLst>
-                        <p:cond delay="indefinite"/>
-                      </p:stCondLst>
-                      <p:childTnLst>
-                        <p:par>
-                          <p:cTn id="14" fill="hold">
-                            <p:stCondLst>
-                              <p:cond delay="0"/>
-                            </p:stCondLst>
-                            <p:childTnLst>
-                              <p:par>
-                                <p:cTn id="15" presetID="9" presetClass="emph" presetSubtype="0" nodeType="clickEffect">
+                                <p:cTn id="5" presetID="9" presetClass="emph" presetSubtype="0" nodeType="clickEffect">
                                   <p:stCondLst>
                                     <p:cond delay="0"/>
                                   </p:stCondLst>
                                   <p:childTnLst>
                                     <p:set>
                                       <p:cBhvr rctx="PPT">
-                                        <p:cTn id="16" dur="indefinite"/>
+                                        <p:cTn id="6" dur="indefinite"/>
                                         <p:tgtEl>
                                           <p:spTgt spid="20"/>
                                         </p:tgtEl>
@@ -5010,7 +4889,7 @@
                                     </p:set>
                                     <p:animEffect filter="image" prLst="opacity: 0.25">
                                       <p:cBhvr rctx="IE">
-                                        <p:cTn id="17" dur="indefinite"/>
+                                        <p:cTn id="7" dur="indefinite"/>
                                         <p:tgtEl>
                                           <p:spTgt spid="20"/>
                                         </p:tgtEl>
@@ -5020,14 +4899,14 @@
                                 </p:cTn>
                               </p:par>
                               <p:par>
-                                <p:cTn id="18" presetID="9" presetClass="emph" presetSubtype="0" nodeType="withEffect">
+                                <p:cTn id="8" presetID="9" presetClass="emph" presetSubtype="0" nodeType="withEffect">
                                   <p:stCondLst>
                                     <p:cond delay="0"/>
                                   </p:stCondLst>
                                   <p:childTnLst>
                                     <p:set>
                                       <p:cBhvr rctx="PPT">
-                                        <p:cTn id="19" dur="indefinite"/>
+                                        <p:cTn id="9" dur="indefinite"/>
                                         <p:tgtEl>
                                           <p:spTgt spid="19"/>
                                         </p:tgtEl>
@@ -5041,7 +4920,7 @@
                                     </p:set>
                                     <p:animEffect filter="image" prLst="opacity: 0.25">
                                       <p:cBhvr rctx="IE">
-                                        <p:cTn id="20" dur="indefinite"/>
+                                        <p:cTn id="10" dur="indefinite"/>
                                         <p:tgtEl>
                                           <p:spTgt spid="19"/>
                                         </p:tgtEl>
@@ -5051,14 +4930,14 @@
                                 </p:cTn>
                               </p:par>
                               <p:par>
-                                <p:cTn id="21" presetID="9" presetClass="emph" presetSubtype="0" nodeType="withEffect">
+                                <p:cTn id="11" presetID="9" presetClass="emph" presetSubtype="0" nodeType="withEffect">
                                   <p:stCondLst>
                                     <p:cond delay="0"/>
                                   </p:stCondLst>
                                   <p:childTnLst>
                                     <p:set>
                                       <p:cBhvr rctx="PPT">
-                                        <p:cTn id="22" dur="indefinite"/>
+                                        <p:cTn id="12" dur="indefinite"/>
                                         <p:tgtEl>
                                           <p:spTgt spid="21"/>
                                         </p:tgtEl>
@@ -5072,7 +4951,7 @@
                                     </p:set>
                                     <p:animEffect filter="image" prLst="opacity: 0.25">
                                       <p:cBhvr rctx="IE">
-                                        <p:cTn id="23" dur="indefinite"/>
+                                        <p:cTn id="13" dur="indefinite"/>
                                         <p:tgtEl>
                                           <p:spTgt spid="21"/>
                                         </p:tgtEl>
@@ -5081,15 +4960,33 @@
                                   </p:childTnLst>
                                 </p:cTn>
                               </p:par>
+                            </p:childTnLst>
+                          </p:cTn>
+                        </p:par>
+                      </p:childTnLst>
+                    </p:cTn>
+                  </p:par>
+                  <p:par>
+                    <p:cTn id="14" fill="hold">
+                      <p:stCondLst>
+                        <p:cond delay="indefinite"/>
+                      </p:stCondLst>
+                      <p:childTnLst>
+                        <p:par>
+                          <p:cTn id="15" fill="hold">
+                            <p:stCondLst>
+                              <p:cond delay="0"/>
+                            </p:stCondLst>
+                            <p:childTnLst>
                               <p:par>
-                                <p:cTn id="24" presetID="9" presetClass="entr" presetSubtype="0" fill="hold" grpId="0" nodeType="withEffect">
+                                <p:cTn id="16" presetID="9" presetClass="entr" presetSubtype="0" fill="hold" grpId="0" nodeType="clickEffect">
                                   <p:stCondLst>
                                     <p:cond delay="0"/>
                                   </p:stCondLst>
                                   <p:childTnLst>
                                     <p:set>
                                       <p:cBhvr>
-                                        <p:cTn id="25" dur="1" fill="hold">
+                                        <p:cTn id="17" dur="1" fill="hold">
                                           <p:stCondLst>
                                             <p:cond delay="0"/>
                                           </p:stCondLst>
@@ -5107,7 +5004,7 @@
                                     </p:set>
                                     <p:animEffect transition="in" filter="dissolve">
                                       <p:cBhvr>
-                                        <p:cTn id="26" dur="500"/>
+                                        <p:cTn id="18" dur="500"/>
                                         <p:tgtEl>
                                           <p:spTgt spid="33"/>
                                         </p:tgtEl>
@@ -5195,7 +5092,23 @@
                 <a:ea typeface="Gill Sans MT" charset="0"/>
                 <a:cs typeface="Gill Sans MT" charset="0"/>
               </a:rPr>
-              <a:t>TODO #1</a:t>
+              <a:t>Understand common ’</a:t>
+            </a:r>
+            <a:r>
+              <a:rPr lang="en-US" sz="3200" dirty="0" err="1" smtClean="0">
+                <a:latin typeface="Gill Sans MT" charset="0"/>
+                <a:ea typeface="Gill Sans MT" charset="0"/>
+                <a:cs typeface="Gill Sans MT" charset="0"/>
+              </a:rPr>
+              <a:t>gotchas</a:t>
+            </a:r>
+            <a:r>
+              <a:rPr lang="en-US" sz="3200" dirty="0" smtClean="0">
+                <a:latin typeface="Gill Sans MT" charset="0"/>
+                <a:ea typeface="Gill Sans MT" charset="0"/>
+                <a:cs typeface="Gill Sans MT" charset="0"/>
+              </a:rPr>
+              <a:t>’ with the JSAPI</a:t>
             </a:r>
             <a:endParaRPr lang="en-US" sz="3200" dirty="0">
               <a:latin typeface="Gill Sans MT" charset="0"/>
@@ -5210,7 +5123,7 @@
                 <a:ea typeface="Gill Sans MT" charset="0"/>
                 <a:cs typeface="Gill Sans MT" charset="0"/>
               </a:rPr>
-              <a:t>TODO #2</a:t>
+              <a:t>Know how to use asynchronous functions in the JSAPI</a:t>
             </a:r>
             <a:endParaRPr lang="en-US" sz="3200" dirty="0" smtClean="0">
               <a:latin typeface="Gill Sans MT" charset="0"/>
@@ -5225,24 +5138,9 @@
                 <a:ea typeface="Gill Sans MT" charset="0"/>
                 <a:cs typeface="Gill Sans MT" charset="0"/>
               </a:rPr>
-              <a:t>TODO #3</a:t>
+              <a:t>Know how to create event listeners with the JSAPI</a:t>
             </a:r>
             <a:endParaRPr lang="en-US" sz="3200" dirty="0" smtClean="0">
-              <a:latin typeface="Gill Sans MT" charset="0"/>
-              <a:ea typeface="Gill Sans MT" charset="0"/>
-              <a:cs typeface="Gill Sans MT" charset="0"/>
-            </a:endParaRPr>
-          </a:p>
-          <a:p>
-            <a:r>
-              <a:rPr lang="en-US" sz="3200" dirty="0" smtClean="0">
-                <a:latin typeface="Gill Sans MT" charset="0"/>
-                <a:ea typeface="Gill Sans MT" charset="0"/>
-                <a:cs typeface="Gill Sans MT" charset="0"/>
-              </a:rPr>
-              <a:t>TODO #4</a:t>
-            </a:r>
-            <a:endParaRPr lang="en-US" sz="3200" dirty="0">
               <a:latin typeface="Gill Sans MT" charset="0"/>
               <a:ea typeface="Gill Sans MT" charset="0"/>
               <a:cs typeface="Gill Sans MT" charset="0"/>
@@ -5477,106 +5375,6 @@
                                           <p:spTgt spid="3">
                                             <p:txEl>
                                               <p:pRg st="1" end="1"/>
-                                            </p:txEl>
-                                          </p:spTgt>
-                                        </p:tgtEl>
-                                      </p:cBhvr>
-                                    </p:animEffect>
-                                  </p:childTnLst>
-                                </p:cTn>
-                              </p:par>
-                            </p:childTnLst>
-                          </p:cTn>
-                        </p:par>
-                      </p:childTnLst>
-                    </p:cTn>
-                  </p:par>
-                  <p:par>
-                    <p:cTn id="19" fill="hold">
-                      <p:stCondLst>
-                        <p:cond delay="indefinite"/>
-                      </p:stCondLst>
-                      <p:childTnLst>
-                        <p:par>
-                          <p:cTn id="20" fill="hold">
-                            <p:stCondLst>
-                              <p:cond delay="0"/>
-                            </p:stCondLst>
-                            <p:childTnLst>
-                              <p:par>
-                                <p:cTn id="21" presetID="10" presetClass="entr" presetSubtype="0" fill="hold" nodeType="clickEffect">
-                                  <p:stCondLst>
-                                    <p:cond delay="0"/>
-                                  </p:stCondLst>
-                                  <p:childTnLst>
-                                    <p:set>
-                                      <p:cBhvr>
-                                        <p:cTn id="22" dur="1" fill="hold">
-                                          <p:stCondLst>
-                                            <p:cond delay="0"/>
-                                          </p:stCondLst>
-                                        </p:cTn>
-                                        <p:tgtEl>
-                                          <p:spTgt spid="3">
-                                            <p:txEl>
-                                              <p:pRg st="3" end="3"/>
-                                            </p:txEl>
-                                          </p:spTgt>
-                                        </p:tgtEl>
-                                        <p:attrNameLst>
-                                          <p:attrName>style.visibility</p:attrName>
-                                        </p:attrNameLst>
-                                      </p:cBhvr>
-                                      <p:to>
-                                        <p:strVal val="visible"/>
-                                      </p:to>
-                                    </p:set>
-                                    <p:animEffect transition="in" filter="fade">
-                                      <p:cBhvr>
-                                        <p:cTn id="23" dur="500"/>
-                                        <p:tgtEl>
-                                          <p:spTgt spid="3">
-                                            <p:txEl>
-                                              <p:pRg st="3" end="3"/>
-                                            </p:txEl>
-                                          </p:spTgt>
-                                        </p:tgtEl>
-                                      </p:cBhvr>
-                                    </p:animEffect>
-                                  </p:childTnLst>
-                                </p:cTn>
-                              </p:par>
-                              <p:par>
-                                <p:cTn id="24" presetID="9" presetClass="emph" presetSubtype="0" nodeType="withEffect">
-                                  <p:stCondLst>
-                                    <p:cond delay="0"/>
-                                  </p:stCondLst>
-                                  <p:childTnLst>
-                                    <p:set>
-                                      <p:cBhvr rctx="PPT">
-                                        <p:cTn id="25" dur="indefinite"/>
-                                        <p:tgtEl>
-                                          <p:spTgt spid="3">
-                                            <p:txEl>
-                                              <p:pRg st="2" end="2"/>
-                                            </p:txEl>
-                                          </p:spTgt>
-                                        </p:tgtEl>
-                                        <p:attrNameLst>
-                                          <p:attrName>style.opacity</p:attrName>
-                                        </p:attrNameLst>
-                                      </p:cBhvr>
-                                      <p:to>
-                                        <p:strVal val="0.25"/>
-                                      </p:to>
-                                    </p:set>
-                                    <p:animEffect filter="image" prLst="opacity: 0.25">
-                                      <p:cBhvr rctx="IE">
-                                        <p:cTn id="26" dur="indefinite"/>
-                                        <p:tgtEl>
-                                          <p:spTgt spid="3">
-                                            <p:txEl>
-                                              <p:pRg st="2" end="2"/>
                                             </p:txEl>
                                           </p:spTgt>
                                         </p:tgtEl>
@@ -5943,22 +5741,28 @@
       </p:grpSpPr>
       <p:pic>
         <p:nvPicPr>
-          <p:cNvPr id="3" name="Picture 2"/>
+          <p:cNvPr id="4" name="Picture 3" descr="ShowSheetsAsTabs.gif"/>
           <p:cNvPicPr>
             <a:picLocks noChangeAspect="1"/>
           </p:cNvPicPr>
           <p:nvPr/>
         </p:nvPicPr>
         <p:blipFill>
-          <a:blip r:embed="rId2"/>
+          <a:blip r:embed="rId2">
+            <a:extLst>
+              <a:ext uri="{28A0092B-C50C-407E-A947-70E740481C1C}">
+                <a14:useLocalDpi xmlns:a14="http://schemas.microsoft.com/office/drawing/2010/main" val="0"/>
+              </a:ext>
+            </a:extLst>
+          </a:blip>
           <a:stretch>
             <a:fillRect/>
           </a:stretch>
         </p:blipFill>
         <p:spPr>
           <a:xfrm>
-            <a:off x="3128917" y="-1296"/>
-            <a:ext cx="5934166" cy="6859296"/>
+            <a:off x="3128113" y="0"/>
+            <a:ext cx="5935775" cy="6858000"/>
           </a:xfrm>
           <a:prstGeom prst="rect">
             <a:avLst/>
